--- a/Documents/Introduction and Advanced workshop.pptx
+++ b/Documents/Introduction and Advanced workshop.pptx
@@ -5,13 +5,14 @@
     <p:sldMasterId id="2147483648" r:id="rId1"/>
   </p:sldMasterIdLst>
   <p:notesMasterIdLst>
-    <p:notesMasterId r:id="rId6"/>
+    <p:notesMasterId r:id="rId7"/>
   </p:notesMasterIdLst>
   <p:sldIdLst>
     <p:sldId id="256" r:id="rId2"/>
     <p:sldId id="257" r:id="rId3"/>
     <p:sldId id="258" r:id="rId4"/>
     <p:sldId id="259" r:id="rId5"/>
+    <p:sldId id="260" r:id="rId6"/>
   </p:sldIdLst>
   <p:sldSz cx="12192000" cy="6858000"/>
   <p:notesSz cx="6858000" cy="9144000"/>
@@ -110,6 +111,11 @@
       </a:defRPr>
     </a:lvl9pPr>
   </p:defaultTextStyle>
+  <p:extLst>
+    <p:ext uri="{EFAFB233-063F-42B5-8137-9DF3F51BA10A}">
+      <p15:sldGuideLst xmlns:p15="http://schemas.microsoft.com/office/powerpoint/2012/main"/>
+    </p:ext>
+  </p:extLst>
 </p:presentation>
 </file>
 
@@ -5452,6 +5458,10 @@
           <a:bodyPr/>
           <a:lstStyle/>
           <a:p>
+            <a:r>
+              <a:rPr lang="nl-NL" dirty="0" err="1"/>
+              <a:t>Requirements</a:t>
+            </a:r>
             <a:endParaRPr lang="nl-NL" dirty="0"/>
           </a:p>
         </p:txBody>
@@ -5472,19 +5482,611 @@
             <p:ph idx="1"/>
           </p:nvPr>
         </p:nvSpPr>
-        <p:spPr/>
-        <p:txBody>
-          <a:bodyPr/>
+        <p:spPr>
+          <a:xfrm>
+            <a:off x="838200" y="1827839"/>
+            <a:ext cx="5257800" cy="4351338"/>
+          </a:xfrm>
+        </p:spPr>
+        <p:txBody>
+          <a:bodyPr>
+            <a:normAutofit/>
+          </a:bodyPr>
           <a:lstStyle/>
           <a:p>
-            <a:endParaRPr lang="nl-NL"/>
-          </a:p>
-        </p:txBody>
-      </p:sp>
+            <a:r>
+              <a:rPr lang="en-US" sz="2400" dirty="0"/>
+              <a:t>Mandatory:</a:t>
+            </a:r>
+          </a:p>
+          <a:p>
+            <a:pPr lvl="1"/>
+            <a:r>
+              <a:rPr lang="en-US" sz="2000" dirty="0"/>
+              <a:t>A laptop (Preferably with Windows) </a:t>
+            </a:r>
+            <a:endParaRPr lang="nl-NL" sz="2000" dirty="0"/>
+          </a:p>
+          <a:p>
+            <a:pPr lvl="1"/>
+            <a:r>
+              <a:rPr lang="nl-NL" sz="2000" dirty="0"/>
+              <a:t>KiCad V7.0.7  </a:t>
+            </a:r>
+            <a:r>
+              <a:rPr lang="en-US" sz="2000" dirty="0"/>
+              <a:t>installation</a:t>
+            </a:r>
+            <a:r>
+              <a:rPr lang="nl-NL" sz="2000" dirty="0"/>
+              <a:t> file </a:t>
+            </a:r>
+            <a:r>
+              <a:rPr lang="nl-NL" sz="2000" dirty="0">
+                <a:hlinkClick r:id="rId2"/>
+              </a:rPr>
+              <a:t>(from official KiCad website)</a:t>
+            </a:r>
+            <a:endParaRPr lang="nl-NL" sz="2000" dirty="0"/>
+          </a:p>
+          <a:p>
+            <a:pPr lvl="1"/>
+            <a:r>
+              <a:rPr lang="nl-NL" sz="2000" dirty="0"/>
+              <a:t>The workshop files (</a:t>
+            </a:r>
+            <a:r>
+              <a:rPr lang="nl-NL" sz="2000" dirty="0">
+                <a:hlinkClick r:id="rId3"/>
+              </a:rPr>
+              <a:t>from GitHub</a:t>
+            </a:r>
+            <a:r>
+              <a:rPr lang="nl-NL" sz="2000" dirty="0"/>
+              <a:t>)</a:t>
+            </a:r>
+          </a:p>
+          <a:p>
+            <a:pPr lvl="2"/>
+            <a:r>
+              <a:rPr lang="nl-NL" sz="1600" dirty="0" err="1"/>
+              <a:t>Documents</a:t>
+            </a:r>
+            <a:endParaRPr lang="nl-NL" sz="1600" dirty="0"/>
+          </a:p>
+          <a:p>
+            <a:pPr lvl="2"/>
+            <a:r>
+              <a:rPr lang="nl-NL" sz="1600" dirty="0"/>
+              <a:t>Project files</a:t>
+            </a:r>
+          </a:p>
+          <a:p>
+            <a:pPr marL="0" indent="0">
+              <a:buNone/>
+            </a:pPr>
+            <a:endParaRPr lang="en-US" sz="2400" dirty="0"/>
+          </a:p>
+          <a:p>
+            <a:r>
+              <a:rPr lang="en-US" sz="2400" dirty="0"/>
+              <a:t>Recommended: </a:t>
+            </a:r>
+          </a:p>
+          <a:p>
+            <a:pPr lvl="1"/>
+            <a:r>
+              <a:rPr lang="en-US" sz="2000" dirty="0"/>
+              <a:t>A computer mouse</a:t>
+            </a:r>
+          </a:p>
+          <a:p>
+            <a:pPr lvl="1"/>
+            <a:r>
+              <a:rPr lang="en-US" sz="2000" dirty="0"/>
+              <a:t>An internet connection</a:t>
+            </a:r>
+            <a:endParaRPr lang="en-US" sz="1600" dirty="0"/>
+          </a:p>
+          <a:p>
+            <a:endParaRPr lang="en-US" sz="2400" dirty="0"/>
+          </a:p>
+        </p:txBody>
+      </p:sp>
+      <p:pic>
+        <p:nvPicPr>
+          <p:cNvPr id="7" name="Afbeelding 6">
+            <a:extLst>
+              <a:ext uri="{FF2B5EF4-FFF2-40B4-BE49-F238E27FC236}">
+                <a16:creationId xmlns:a16="http://schemas.microsoft.com/office/drawing/2014/main" id="{9308B5DC-AB12-54E1-DF69-56D4A7ED6A06}"/>
+              </a:ext>
+            </a:extLst>
+          </p:cNvPr>
+          <p:cNvPicPr>
+            <a:picLocks noChangeAspect="1"/>
+          </p:cNvPicPr>
+          <p:nvPr/>
+        </p:nvPicPr>
+        <p:blipFill rotWithShape="1">
+          <a:blip r:embed="rId4"/>
+          <a:srcRect r="14822"/>
+          <a:stretch/>
+        </p:blipFill>
+        <p:spPr>
+          <a:xfrm>
+            <a:off x="6437743" y="3026398"/>
+            <a:ext cx="5597236" cy="2828371"/>
+          </a:xfrm>
+          <a:prstGeom prst="rect">
+            <a:avLst/>
+          </a:prstGeom>
+        </p:spPr>
+      </p:pic>
+      <p:pic>
+        <p:nvPicPr>
+          <p:cNvPr id="9" name="Afbeelding 8">
+            <a:extLst>
+              <a:ext uri="{FF2B5EF4-FFF2-40B4-BE49-F238E27FC236}">
+                <a16:creationId xmlns:a16="http://schemas.microsoft.com/office/drawing/2014/main" id="{7A3440C9-B40B-727F-91D4-E8663851AC52}"/>
+              </a:ext>
+            </a:extLst>
+          </p:cNvPr>
+          <p:cNvPicPr>
+            <a:picLocks noChangeAspect="1"/>
+          </p:cNvPicPr>
+          <p:nvPr/>
+        </p:nvPicPr>
+        <p:blipFill>
+          <a:blip r:embed="rId5"/>
+          <a:stretch>
+            <a:fillRect/>
+          </a:stretch>
+        </p:blipFill>
+        <p:spPr>
+          <a:xfrm>
+            <a:off x="6437743" y="172279"/>
+            <a:ext cx="5597237" cy="1969881"/>
+          </a:xfrm>
+          <a:prstGeom prst="rect">
+            <a:avLst/>
+          </a:prstGeom>
+        </p:spPr>
+      </p:pic>
+      <p:pic>
+        <p:nvPicPr>
+          <p:cNvPr id="11" name="Afbeelding 10">
+            <a:extLst>
+              <a:ext uri="{FF2B5EF4-FFF2-40B4-BE49-F238E27FC236}">
+                <a16:creationId xmlns:a16="http://schemas.microsoft.com/office/drawing/2014/main" id="{9A1C99E6-6604-FBEE-B7DA-BEE2702FDD02}"/>
+              </a:ext>
+            </a:extLst>
+          </p:cNvPr>
+          <p:cNvPicPr>
+            <a:picLocks noChangeAspect="1"/>
+          </p:cNvPicPr>
+          <p:nvPr/>
+        </p:nvPicPr>
+        <p:blipFill>
+          <a:blip r:embed="rId6"/>
+          <a:stretch>
+            <a:fillRect/>
+          </a:stretch>
+        </p:blipFill>
+        <p:spPr>
+          <a:xfrm>
+            <a:off x="6437743" y="2335006"/>
+            <a:ext cx="5597237" cy="498546"/>
+          </a:xfrm>
+          <a:prstGeom prst="rect">
+            <a:avLst/>
+          </a:prstGeom>
+        </p:spPr>
+      </p:pic>
     </p:spTree>
     <p:extLst>
       <p:ext uri="{BB962C8B-B14F-4D97-AF65-F5344CB8AC3E}">
         <p14:creationId xmlns:p14="http://schemas.microsoft.com/office/powerpoint/2010/main" val="2210494925"/>
+      </p:ext>
+    </p:extLst>
+  </p:cSld>
+  <p:clrMapOvr>
+    <a:masterClrMapping/>
+  </p:clrMapOvr>
+</p:sld>
+</file>
+
+<file path=ppt/slides/slide5.xml><?xml version="1.0" encoding="utf-8"?>
+<p:sld xmlns:a="http://schemas.openxmlformats.org/drawingml/2006/main" xmlns:r="http://schemas.openxmlformats.org/officeDocument/2006/relationships" xmlns:p="http://schemas.openxmlformats.org/presentationml/2006/main">
+  <p:cSld>
+    <p:spTree>
+      <p:nvGrpSpPr>
+        <p:cNvPr id="1" name=""/>
+        <p:cNvGrpSpPr/>
+        <p:nvPr/>
+      </p:nvGrpSpPr>
+      <p:grpSpPr>
+        <a:xfrm>
+          <a:off x="0" y="0"/>
+          <a:ext cx="0" cy="0"/>
+          <a:chOff x="0" y="0"/>
+          <a:chExt cx="0" cy="0"/>
+        </a:xfrm>
+      </p:grpSpPr>
+      <p:sp>
+        <p:nvSpPr>
+          <p:cNvPr id="2" name="Titel 1">
+            <a:extLst>
+              <a:ext uri="{FF2B5EF4-FFF2-40B4-BE49-F238E27FC236}">
+                <a16:creationId xmlns:a16="http://schemas.microsoft.com/office/drawing/2014/main" id="{2F185A30-8284-F1D8-1CA5-B43F5A1AC50D}"/>
+              </a:ext>
+            </a:extLst>
+          </p:cNvPr>
+          <p:cNvSpPr>
+            <a:spLocks noGrp="1"/>
+          </p:cNvSpPr>
+          <p:nvPr>
+            <p:ph type="title"/>
+          </p:nvPr>
+        </p:nvSpPr>
+        <p:spPr/>
+        <p:txBody>
+          <a:bodyPr/>
+          <a:lstStyle/>
+          <a:p>
+            <a:r>
+              <a:rPr lang="nl-NL" dirty="0" err="1"/>
+              <a:t>Good</a:t>
+            </a:r>
+            <a:r>
+              <a:rPr lang="nl-NL" dirty="0"/>
+              <a:t> </a:t>
+            </a:r>
+            <a:r>
+              <a:rPr lang="nl-NL" dirty="0" err="1"/>
+              <a:t>luck</a:t>
+            </a:r>
+            <a:r>
+              <a:rPr lang="nl-NL" dirty="0"/>
+              <a:t> and have </a:t>
+            </a:r>
+            <a:r>
+              <a:rPr lang="nl-NL" dirty="0" err="1"/>
+              <a:t>fun</a:t>
+            </a:r>
+            <a:r>
+              <a:rPr lang="nl-NL" dirty="0"/>
+              <a:t>!</a:t>
+            </a:r>
+          </a:p>
+        </p:txBody>
+      </p:sp>
+      <p:sp>
+        <p:nvSpPr>
+          <p:cNvPr id="3" name="Tijdelijke aanduiding voor inhoud 2">
+            <a:extLst>
+              <a:ext uri="{FF2B5EF4-FFF2-40B4-BE49-F238E27FC236}">
+                <a16:creationId xmlns:a16="http://schemas.microsoft.com/office/drawing/2014/main" id="{AAFA26DD-3C4B-FDF2-5948-05223FE196E9}"/>
+              </a:ext>
+            </a:extLst>
+          </p:cNvPr>
+          <p:cNvSpPr>
+            <a:spLocks noGrp="1"/>
+          </p:cNvSpPr>
+          <p:nvPr>
+            <p:ph idx="1"/>
+          </p:nvPr>
+        </p:nvSpPr>
+        <p:spPr>
+          <a:xfrm>
+            <a:off x="838200" y="1825625"/>
+            <a:ext cx="6458712" cy="4351338"/>
+          </a:xfrm>
+        </p:spPr>
+        <p:txBody>
+          <a:bodyPr>
+            <a:normAutofit/>
+          </a:bodyPr>
+          <a:lstStyle/>
+          <a:p>
+            <a:pPr marL="0" indent="0">
+              <a:buNone/>
+            </a:pPr>
+            <a:r>
+              <a:rPr lang="nl-NL" sz="2400" b="1" dirty="0" err="1"/>
+              <a:t>Need</a:t>
+            </a:r>
+            <a:r>
+              <a:rPr lang="nl-NL" sz="2400" b="1" dirty="0"/>
+              <a:t> </a:t>
+            </a:r>
+            <a:r>
+              <a:rPr lang="nl-NL" sz="2400" b="1" dirty="0" err="1"/>
+              <a:t>any</a:t>
+            </a:r>
+            <a:r>
+              <a:rPr lang="nl-NL" sz="2400" b="1" dirty="0"/>
+              <a:t> help or have </a:t>
+            </a:r>
+            <a:r>
+              <a:rPr lang="nl-NL" sz="2400" b="1" dirty="0" err="1"/>
+              <a:t>questions</a:t>
+            </a:r>
+            <a:r>
+              <a:rPr lang="nl-NL" sz="2400" b="1" dirty="0"/>
+              <a:t> in </a:t>
+            </a:r>
+            <a:r>
+              <a:rPr lang="nl-NL" sz="2400" b="1" dirty="0" err="1"/>
+              <a:t>general</a:t>
+            </a:r>
+            <a:r>
+              <a:rPr lang="nl-NL" sz="2400" b="1" dirty="0"/>
+              <a:t>: </a:t>
+            </a:r>
+            <a:r>
+              <a:rPr lang="nl-NL" sz="2400" dirty="0"/>
+              <a:t>ASK! We are here </a:t>
+            </a:r>
+            <a:r>
+              <a:rPr lang="nl-NL" sz="2400" dirty="0" err="1"/>
+              <a:t>to</a:t>
+            </a:r>
+            <a:r>
+              <a:rPr lang="nl-NL" sz="2400" dirty="0"/>
+              <a:t> help </a:t>
+            </a:r>
+            <a:r>
+              <a:rPr lang="nl-NL" sz="2400" dirty="0" err="1"/>
+              <a:t>each</a:t>
+            </a:r>
+            <a:r>
+              <a:rPr lang="nl-NL" sz="2400" dirty="0"/>
+              <a:t> </a:t>
+            </a:r>
+            <a:r>
+              <a:rPr lang="nl-NL" sz="2400" dirty="0" err="1"/>
+              <a:t>other</a:t>
+            </a:r>
+            <a:r>
+              <a:rPr lang="nl-NL" sz="2400" dirty="0"/>
+              <a:t> </a:t>
+            </a:r>
+            <a:r>
+              <a:rPr lang="nl-NL" sz="2400" dirty="0" err="1"/>
+              <a:t>learn</a:t>
+            </a:r>
+            <a:r>
+              <a:rPr lang="nl-NL" sz="2400" dirty="0"/>
+              <a:t> new </a:t>
+            </a:r>
+            <a:r>
+              <a:rPr lang="nl-NL" sz="2400" dirty="0" err="1"/>
+              <a:t>things</a:t>
+            </a:r>
+            <a:r>
+              <a:rPr lang="nl-NL" sz="2400" dirty="0"/>
+              <a:t> </a:t>
+            </a:r>
+            <a:r>
+              <a:rPr lang="nl-NL" sz="2400" dirty="0" err="1"/>
+              <a:t>because</a:t>
+            </a:r>
+            <a:r>
+              <a:rPr lang="nl-NL" sz="2400" dirty="0"/>
+              <a:t> we like electronics!</a:t>
+            </a:r>
+          </a:p>
+          <a:p>
+            <a:pPr marL="0" indent="0">
+              <a:buNone/>
+            </a:pPr>
+            <a:endParaRPr lang="nl-NL" sz="2400" dirty="0"/>
+          </a:p>
+          <a:p>
+            <a:pPr marL="0" indent="0">
+              <a:buNone/>
+            </a:pPr>
+            <a:r>
+              <a:rPr lang="nl-NL" sz="2400" b="1" dirty="0" err="1"/>
+              <a:t>Finished</a:t>
+            </a:r>
+            <a:r>
+              <a:rPr lang="nl-NL" sz="2400" b="1" dirty="0"/>
+              <a:t>? </a:t>
+            </a:r>
+            <a:r>
+              <a:rPr lang="nl-NL" sz="2400" dirty="0" err="1"/>
+              <a:t>Please</a:t>
+            </a:r>
+            <a:r>
+              <a:rPr lang="nl-NL" sz="2400" dirty="0"/>
+              <a:t> </a:t>
+            </a:r>
+            <a:r>
+              <a:rPr lang="nl-NL" sz="2400" dirty="0" err="1"/>
+              <a:t>try</a:t>
+            </a:r>
+            <a:r>
+              <a:rPr lang="nl-NL" sz="2400" dirty="0"/>
+              <a:t> and surprise </a:t>
+            </a:r>
+            <a:r>
+              <a:rPr lang="nl-NL" sz="2400" dirty="0" err="1"/>
+              <a:t>us</a:t>
+            </a:r>
+            <a:r>
+              <a:rPr lang="nl-NL" sz="2400" dirty="0"/>
+              <a:t> with your </a:t>
+            </a:r>
+            <a:r>
+              <a:rPr lang="nl-NL" sz="2400" dirty="0" err="1"/>
+              <a:t>own</a:t>
+            </a:r>
+            <a:r>
+              <a:rPr lang="nl-NL" sz="2400" dirty="0"/>
+              <a:t> </a:t>
+            </a:r>
+            <a:r>
+              <a:rPr lang="nl-NL" sz="2400" dirty="0" err="1"/>
+              <a:t>additions</a:t>
+            </a:r>
+            <a:r>
+              <a:rPr lang="nl-NL" sz="2400" dirty="0"/>
+              <a:t>, make </a:t>
+            </a:r>
+            <a:r>
+              <a:rPr lang="nl-NL" sz="2400" dirty="0" err="1"/>
+              <a:t>it</a:t>
+            </a:r>
+            <a:r>
+              <a:rPr lang="nl-NL" sz="2400" dirty="0"/>
+              <a:t> YOUR design! (</a:t>
+            </a:r>
+            <a:r>
+              <a:rPr lang="nl-NL" sz="2400" dirty="0" err="1"/>
+              <a:t>Maybe</a:t>
+            </a:r>
+            <a:r>
+              <a:rPr lang="nl-NL" sz="2400" dirty="0"/>
+              <a:t> download a </a:t>
+            </a:r>
+            <a:r>
+              <a:rPr lang="nl-NL" sz="2400" dirty="0" err="1"/>
+              <a:t>funny</a:t>
+            </a:r>
+            <a:r>
+              <a:rPr lang="nl-NL" sz="2400" dirty="0"/>
+              <a:t> .bmp </a:t>
+            </a:r>
+            <a:r>
+              <a:rPr lang="nl-NL" sz="2400" dirty="0" err="1"/>
+              <a:t>for</a:t>
+            </a:r>
+            <a:r>
+              <a:rPr lang="nl-NL" sz="2400" dirty="0"/>
+              <a:t> on your PCB?)</a:t>
+            </a:r>
+          </a:p>
+          <a:p>
+            <a:pPr marL="0" indent="0">
+              <a:buNone/>
+            </a:pPr>
+            <a:endParaRPr lang="nl-NL" sz="2400" dirty="0"/>
+          </a:p>
+          <a:p>
+            <a:pPr marL="0" indent="0">
+              <a:buNone/>
+            </a:pPr>
+            <a:r>
+              <a:rPr lang="nl-NL" sz="2400" b="1" dirty="0"/>
+              <a:t>Feedback? </a:t>
+            </a:r>
+            <a:r>
+              <a:rPr lang="nl-NL" sz="2400" dirty="0"/>
+              <a:t>Yes </a:t>
+            </a:r>
+            <a:r>
+              <a:rPr lang="nl-NL" sz="2400" dirty="0" err="1"/>
+              <a:t>please</a:t>
+            </a:r>
+            <a:r>
+              <a:rPr lang="nl-NL" sz="2400" dirty="0"/>
+              <a:t>, we want </a:t>
+            </a:r>
+            <a:r>
+              <a:rPr lang="nl-NL" sz="2400" dirty="0" err="1"/>
+              <a:t>to</a:t>
+            </a:r>
+            <a:r>
+              <a:rPr lang="nl-NL" sz="2400" dirty="0"/>
+              <a:t> make </a:t>
+            </a:r>
+            <a:r>
+              <a:rPr lang="nl-NL" sz="2400" dirty="0" err="1"/>
+              <a:t>this</a:t>
+            </a:r>
+            <a:r>
+              <a:rPr lang="nl-NL" sz="2400" dirty="0"/>
+              <a:t> a </a:t>
+            </a:r>
+            <a:r>
+              <a:rPr lang="nl-NL" sz="2400" dirty="0" err="1"/>
+              <a:t>fun</a:t>
+            </a:r>
+            <a:r>
+              <a:rPr lang="nl-NL" sz="2400" dirty="0"/>
+              <a:t> </a:t>
+            </a:r>
+            <a:r>
+              <a:rPr lang="nl-NL" sz="2400" dirty="0" err="1"/>
+              <a:t>experience</a:t>
+            </a:r>
+            <a:r>
+              <a:rPr lang="nl-NL" sz="2400" dirty="0"/>
+              <a:t> </a:t>
+            </a:r>
+            <a:r>
+              <a:rPr lang="nl-NL" sz="2400" dirty="0" err="1"/>
+              <a:t>for</a:t>
+            </a:r>
+            <a:r>
+              <a:rPr lang="nl-NL" sz="2400" dirty="0"/>
+              <a:t> ALL!</a:t>
+            </a:r>
+          </a:p>
+          <a:p>
+            <a:pPr marL="0" indent="0">
+              <a:buNone/>
+            </a:pPr>
+            <a:endParaRPr lang="nl-NL" sz="2400" dirty="0"/>
+          </a:p>
+          <a:p>
+            <a:pPr marL="0" indent="0">
+              <a:buNone/>
+            </a:pPr>
+            <a:endParaRPr lang="nl-NL" sz="2400" dirty="0"/>
+          </a:p>
+        </p:txBody>
+      </p:sp>
+      <p:pic>
+        <p:nvPicPr>
+          <p:cNvPr id="4" name="Afbeelding 3" descr="Afbeelding met tekst, Lettertype, logo, symbool&#10;&#10;Automatisch gegenereerde beschrijving">
+            <a:extLst>
+              <a:ext uri="{FF2B5EF4-FFF2-40B4-BE49-F238E27FC236}">
+                <a16:creationId xmlns:a16="http://schemas.microsoft.com/office/drawing/2014/main" id="{0C8A9363-8E79-C2D5-3C59-6CE3A6FBEC54}"/>
+              </a:ext>
+            </a:extLst>
+          </p:cNvPr>
+          <p:cNvPicPr>
+            <a:picLocks noChangeAspect="1"/>
+          </p:cNvPicPr>
+          <p:nvPr/>
+        </p:nvPicPr>
+        <p:blipFill rotWithShape="1">
+          <a:blip r:embed="rId2">
+            <a:extLst>
+              <a:ext uri="{28A0092B-C50C-407E-A947-70E740481C1C}">
+                <a14:useLocalDpi xmlns:a14="http://schemas.microsoft.com/office/drawing/2010/main" val="0"/>
+              </a:ext>
+            </a:extLst>
+          </a:blip>
+          <a:srcRect l="9380" r="9894"/>
+          <a:stretch/>
+        </p:blipFill>
+        <p:spPr>
+          <a:xfrm>
+            <a:off x="7479792" y="1490472"/>
+            <a:ext cx="4632504" cy="2008505"/>
+          </a:xfrm>
+          <a:prstGeom prst="rect">
+            <a:avLst/>
+          </a:prstGeom>
+        </p:spPr>
+      </p:pic>
+    </p:spTree>
+    <p:extLst>
+      <p:ext uri="{BB962C8B-B14F-4D97-AF65-F5344CB8AC3E}">
+        <p14:creationId xmlns:p14="http://schemas.microsoft.com/office/powerpoint/2010/main" val="227891530"/>
       </p:ext>
     </p:extLst>
   </p:cSld>

--- a/Documents/Introduction and Advanced workshop.pptx
+++ b/Documents/Introduction and Advanced workshop.pptx
@@ -618,6 +618,90 @@
     <p:extLst>
       <p:ext uri="{BB962C8B-B14F-4D97-AF65-F5344CB8AC3E}">
         <p14:creationId xmlns:p14="http://schemas.microsoft.com/office/powerpoint/2010/main" val="2002865944"/>
+      </p:ext>
+    </p:extLst>
+  </p:cSld>
+  <p:clrMapOvr>
+    <a:masterClrMapping/>
+  </p:clrMapOvr>
+</p:notes>
+</file>
+
+<file path=ppt/notesSlides/notesSlide2.xml><?xml version="1.0" encoding="utf-8"?>
+<p:notes xmlns:a="http://schemas.openxmlformats.org/drawingml/2006/main" xmlns:r="http://schemas.openxmlformats.org/officeDocument/2006/relationships" xmlns:p="http://schemas.openxmlformats.org/presentationml/2006/main">
+  <p:cSld>
+    <p:spTree>
+      <p:nvGrpSpPr>
+        <p:cNvPr id="1" name=""/>
+        <p:cNvGrpSpPr/>
+        <p:nvPr/>
+      </p:nvGrpSpPr>
+      <p:grpSpPr>
+        <a:xfrm>
+          <a:off x="0" y="0"/>
+          <a:ext cx="0" cy="0"/>
+          <a:chOff x="0" y="0"/>
+          <a:chExt cx="0" cy="0"/>
+        </a:xfrm>
+      </p:grpSpPr>
+      <p:sp>
+        <p:nvSpPr>
+          <p:cNvPr id="2" name="Tijdelijke aanduiding voor dia-afbeelding 1"/>
+          <p:cNvSpPr>
+            <a:spLocks noGrp="1" noRot="1" noChangeAspect="1"/>
+          </p:cNvSpPr>
+          <p:nvPr>
+            <p:ph type="sldImg"/>
+          </p:nvPr>
+        </p:nvSpPr>
+        <p:spPr/>
+      </p:sp>
+      <p:sp>
+        <p:nvSpPr>
+          <p:cNvPr id="3" name="Tijdelijke aanduiding voor notities 2"/>
+          <p:cNvSpPr>
+            <a:spLocks noGrp="1"/>
+          </p:cNvSpPr>
+          <p:nvPr>
+            <p:ph type="body" idx="1"/>
+          </p:nvPr>
+        </p:nvSpPr>
+        <p:spPr/>
+        <p:txBody>
+          <a:bodyPr/>
+          <a:lstStyle/>
+          <a:p>
+            <a:endParaRPr lang="nl-NL" dirty="0"/>
+          </a:p>
+        </p:txBody>
+      </p:sp>
+      <p:sp>
+        <p:nvSpPr>
+          <p:cNvPr id="4" name="Tijdelijke aanduiding voor dianummer 3"/>
+          <p:cNvSpPr>
+            <a:spLocks noGrp="1"/>
+          </p:cNvSpPr>
+          <p:nvPr>
+            <p:ph type="sldNum" sz="quarter" idx="5"/>
+          </p:nvPr>
+        </p:nvSpPr>
+        <p:spPr/>
+        <p:txBody>
+          <a:bodyPr/>
+          <a:lstStyle/>
+          <a:p>
+            <a:fld id="{F2D06EDF-FB64-4D02-9C6C-06FFD1054A77}" type="slidenum">
+              <a:rPr lang="nl-NL" smtClean="0"/>
+              <a:t>3</a:t>
+            </a:fld>
+            <a:endParaRPr lang="nl-NL"/>
+          </a:p>
+        </p:txBody>
+      </p:sp>
+    </p:spTree>
+    <p:extLst>
+      <p:ext uri="{BB962C8B-B14F-4D97-AF65-F5344CB8AC3E}">
+        <p14:creationId xmlns:p14="http://schemas.microsoft.com/office/powerpoint/2010/main" val="1023555349"/>
       </p:ext>
     </p:extLst>
   </p:cSld>
@@ -4176,7 +4260,7 @@
                   <a:srgbClr val="FFFFFF"/>
                 </a:solidFill>
               </a:rPr>
-              <a:t> and Advanced workshop</a:t>
+              <a:t> and Advanced Workshop</a:t>
             </a:r>
           </a:p>
         </p:txBody>
@@ -4949,7 +5033,7 @@
           </p:nvPr>
         </p:nvPicPr>
         <p:blipFill rotWithShape="1">
-          <a:blip r:embed="rId2">
+          <a:blip r:embed="rId3">
             <a:extLst>
               <a:ext uri="{28A0092B-C50C-407E-A947-70E740481C1C}">
                 <a14:useLocalDpi xmlns:a14="http://schemas.microsoft.com/office/drawing/2010/main" val="0"/>
@@ -4961,12 +5045,22 @@
         </p:blipFill>
         <p:spPr>
           <a:xfrm>
-            <a:off x="8465032" y="1"/>
+            <a:off x="8282324" y="94901"/>
             <a:ext cx="3726968" cy="3685032"/>
           </a:xfrm>
           <a:prstGeom prst="rect">
             <a:avLst/>
           </a:prstGeom>
+          <a:ln>
+            <a:noFill/>
+          </a:ln>
+          <a:effectLst>
+            <a:outerShdw blurRad="292100" dist="139700" dir="2700000" algn="tl" rotWithShape="0">
+              <a:srgbClr val="333333">
+                <a:alpha val="65000"/>
+              </a:srgbClr>
+            </a:outerShdw>
+          </a:effectLst>
         </p:spPr>
       </p:pic>
       <p:sp>
@@ -5351,7 +5445,7 @@
           <p:nvPr/>
         </p:nvPicPr>
         <p:blipFill rotWithShape="1">
-          <a:blip r:embed="rId2">
+          <a:blip r:embed="rId3">
             <a:extLst>
               <a:ext uri="{28A0092B-C50C-407E-A947-70E740481C1C}">
                 <a14:useLocalDpi xmlns:a14="http://schemas.microsoft.com/office/drawing/2010/main" val="0"/>
@@ -5363,12 +5457,22 @@
         </p:blipFill>
         <p:spPr>
           <a:xfrm>
-            <a:off x="9244585" y="3680645"/>
-            <a:ext cx="2947416" cy="3177355"/>
+            <a:off x="6980001" y="3955256"/>
+            <a:ext cx="2604645" cy="2807843"/>
           </a:xfrm>
           <a:prstGeom prst="rect">
             <a:avLst/>
           </a:prstGeom>
+          <a:ln>
+            <a:noFill/>
+          </a:ln>
+          <a:effectLst>
+            <a:outerShdw blurRad="292100" dist="139700" dir="2700000" algn="tl" rotWithShape="0">
+              <a:srgbClr val="333333">
+                <a:alpha val="65000"/>
+              </a:srgbClr>
+            </a:outerShdw>
+          </a:effectLst>
         </p:spPr>
       </p:pic>
       <p:pic>
@@ -5386,7 +5490,7 @@
           <p:nvPr/>
         </p:nvPicPr>
         <p:blipFill>
-          <a:blip r:embed="rId3">
+          <a:blip r:embed="rId4">
             <a:extLst>
               <a:ext uri="{28A0092B-C50C-407E-A947-70E740481C1C}">
                 <a14:useLocalDpi xmlns:a14="http://schemas.microsoft.com/office/drawing/2010/main" val="0"/>
@@ -5399,12 +5503,22 @@
         </p:blipFill>
         <p:spPr>
           <a:xfrm>
-            <a:off x="5478149" y="173736"/>
+            <a:off x="5386795" y="292608"/>
             <a:ext cx="2086266" cy="1848108"/>
           </a:xfrm>
           <a:prstGeom prst="rect">
             <a:avLst/>
           </a:prstGeom>
+          <a:ln>
+            <a:noFill/>
+          </a:ln>
+          <a:effectLst>
+            <a:outerShdw blurRad="292100" dist="139700" dir="2700000" algn="tl" rotWithShape="0">
+              <a:srgbClr val="333333">
+                <a:alpha val="65000"/>
+              </a:srgbClr>
+            </a:outerShdw>
+          </a:effectLst>
         </p:spPr>
       </p:pic>
     </p:spTree>
@@ -5511,54 +5625,76 @@
             <a:pPr lvl="1"/>
             <a:r>
               <a:rPr lang="nl-NL" sz="2000" dirty="0"/>
-              <a:t>KiCad V7.0.7  </a:t>
-            </a:r>
-            <a:r>
-              <a:rPr lang="en-US" sz="2000" dirty="0"/>
-              <a:t>installation</a:t>
-            </a:r>
-            <a:r>
-              <a:rPr lang="nl-NL" sz="2000" dirty="0"/>
-              <a:t> file </a:t>
+              <a:t>The workshop files (</a:t>
             </a:r>
             <a:r>
               <a:rPr lang="nl-NL" sz="2000" dirty="0">
                 <a:hlinkClick r:id="rId2"/>
               </a:rPr>
-              <a:t>(from official KiCad website)</a:t>
-            </a:r>
-            <a:endParaRPr lang="nl-NL" sz="2000" dirty="0"/>
-          </a:p>
-          <a:p>
-            <a:pPr lvl="1"/>
+              <a:t>from GitHub</a:t>
+            </a:r>
             <a:r>
               <a:rPr lang="nl-NL" sz="2000" dirty="0"/>
-              <a:t>The workshop files (</a:t>
-            </a:r>
-            <a:r>
-              <a:rPr lang="nl-NL" sz="2000" dirty="0">
+              <a:t>)</a:t>
+            </a:r>
+          </a:p>
+          <a:p>
+            <a:pPr lvl="2"/>
+            <a:r>
+              <a:rPr lang="nl-NL" sz="1600" dirty="0" err="1"/>
+              <a:t>Documents</a:t>
+            </a:r>
+            <a:r>
+              <a:rPr lang="nl-NL" sz="1600" dirty="0"/>
+              <a:t> (Workshop </a:t>
+            </a:r>
+            <a:r>
+              <a:rPr lang="nl-NL" sz="1600" dirty="0" err="1"/>
+              <a:t>specific</a:t>
+            </a:r>
+            <a:r>
+              <a:rPr lang="nl-NL" sz="1600" dirty="0"/>
+              <a:t>)</a:t>
+            </a:r>
+          </a:p>
+          <a:p>
+            <a:pPr lvl="2"/>
+            <a:r>
+              <a:rPr lang="nl-NL" sz="1600" dirty="0"/>
+              <a:t>Project files (Workshop </a:t>
+            </a:r>
+            <a:r>
+              <a:rPr lang="nl-NL" sz="1600" dirty="0" err="1"/>
+              <a:t>specific</a:t>
+            </a:r>
+            <a:r>
+              <a:rPr lang="nl-NL" sz="1600" dirty="0"/>
+              <a:t>)</a:t>
+            </a:r>
+          </a:p>
+          <a:p>
+            <a:pPr lvl="2"/>
+            <a:r>
+              <a:rPr lang="nl-NL" sz="1600" dirty="0"/>
+              <a:t>KiCad V7.0.7  </a:t>
+            </a:r>
+            <a:r>
+              <a:rPr lang="en-US" sz="1600" dirty="0"/>
+              <a:t>installation</a:t>
+            </a:r>
+            <a:r>
+              <a:rPr lang="nl-NL" sz="1600" dirty="0"/>
+              <a:t> file (</a:t>
+            </a:r>
+            <a:r>
+              <a:rPr lang="nl-NL" sz="1600" dirty="0">
                 <a:hlinkClick r:id="rId3"/>
               </a:rPr>
-              <a:t>from GitHub</a:t>
-            </a:r>
-            <a:r>
-              <a:rPr lang="nl-NL" sz="2000" dirty="0"/>
+              <a:t>from official KiCad website</a:t>
+            </a:r>
+            <a:r>
+              <a:rPr lang="nl-NL" sz="1600" dirty="0"/>
               <a:t>)</a:t>
-            </a:r>
-          </a:p>
-          <a:p>
-            <a:pPr lvl="2"/>
-            <a:r>
-              <a:rPr lang="nl-NL" sz="1600" dirty="0" err="1"/>
-              <a:t>Documents</a:t>
-            </a:r>
-            <a:endParaRPr lang="nl-NL" sz="1600" dirty="0"/>
-          </a:p>
-          <a:p>
-            <a:pPr lvl="2"/>
-            <a:r>
-              <a:rPr lang="nl-NL" sz="1600" dirty="0"/>
-              <a:t>Project files</a:t>
             </a:r>
           </a:p>
           <a:p>
@@ -5570,7 +5706,7 @@
           <a:p>
             <a:r>
               <a:rPr lang="en-US" sz="2400" dirty="0"/>
-              <a:t>Recommended: </a:t>
+              <a:t>Highly Recommended: </a:t>
             </a:r>
           </a:p>
           <a:p>
@@ -5595,10 +5731,10 @@
       </p:sp>
       <p:pic>
         <p:nvPicPr>
-          <p:cNvPr id="7" name="Afbeelding 6">
-            <a:extLst>
-              <a:ext uri="{FF2B5EF4-FFF2-40B4-BE49-F238E27FC236}">
-                <a16:creationId xmlns:a16="http://schemas.microsoft.com/office/drawing/2014/main" id="{9308B5DC-AB12-54E1-DF69-56D4A7ED6A06}"/>
+          <p:cNvPr id="5" name="Afbeelding 4">
+            <a:extLst>
+              <a:ext uri="{FF2B5EF4-FFF2-40B4-BE49-F238E27FC236}">
+                <a16:creationId xmlns:a16="http://schemas.microsoft.com/office/drawing/2014/main" id="{0315D264-2C33-71D8-D6A4-B7D11DFED308}"/>
               </a:ext>
             </a:extLst>
           </p:cNvPr>
@@ -5609,77 +5745,30 @@
         </p:nvPicPr>
         <p:blipFill rotWithShape="1">
           <a:blip r:embed="rId4"/>
-          <a:srcRect r="14822"/>
+          <a:srcRect r="72774"/>
           <a:stretch/>
         </p:blipFill>
         <p:spPr>
           <a:xfrm>
-            <a:off x="6437743" y="3026398"/>
-            <a:ext cx="5597236" cy="2828371"/>
+            <a:off x="8624821" y="664107"/>
+            <a:ext cx="3049379" cy="1921613"/>
           </a:xfrm>
-          <a:prstGeom prst="rect">
-            <a:avLst/>
+          <a:prstGeom prst="roundRect">
+            <a:avLst>
+              <a:gd name="adj" fmla="val 8594"/>
+            </a:avLst>
           </a:prstGeom>
-        </p:spPr>
-      </p:pic>
-      <p:pic>
-        <p:nvPicPr>
-          <p:cNvPr id="9" name="Afbeelding 8">
-            <a:extLst>
-              <a:ext uri="{FF2B5EF4-FFF2-40B4-BE49-F238E27FC236}">
-                <a16:creationId xmlns:a16="http://schemas.microsoft.com/office/drawing/2014/main" id="{7A3440C9-B40B-727F-91D4-E8663851AC52}"/>
-              </a:ext>
-            </a:extLst>
-          </p:cNvPr>
-          <p:cNvPicPr>
-            <a:picLocks noChangeAspect="1"/>
-          </p:cNvPicPr>
-          <p:nvPr/>
-        </p:nvPicPr>
-        <p:blipFill>
-          <a:blip r:embed="rId5"/>
-          <a:stretch>
-            <a:fillRect/>
-          </a:stretch>
-        </p:blipFill>
-        <p:spPr>
-          <a:xfrm>
-            <a:off x="6437743" y="172279"/>
-            <a:ext cx="5597237" cy="1969881"/>
-          </a:xfrm>
-          <a:prstGeom prst="rect">
-            <a:avLst/>
-          </a:prstGeom>
-        </p:spPr>
-      </p:pic>
-      <p:pic>
-        <p:nvPicPr>
-          <p:cNvPr id="11" name="Afbeelding 10">
-            <a:extLst>
-              <a:ext uri="{FF2B5EF4-FFF2-40B4-BE49-F238E27FC236}">
-                <a16:creationId xmlns:a16="http://schemas.microsoft.com/office/drawing/2014/main" id="{9A1C99E6-6604-FBEE-B7DA-BEE2702FDD02}"/>
-              </a:ext>
-            </a:extLst>
-          </p:cNvPr>
-          <p:cNvPicPr>
-            <a:picLocks noChangeAspect="1"/>
-          </p:cNvPicPr>
-          <p:nvPr/>
-        </p:nvPicPr>
-        <p:blipFill>
-          <a:blip r:embed="rId6"/>
-          <a:stretch>
-            <a:fillRect/>
-          </a:stretch>
-        </p:blipFill>
-        <p:spPr>
-          <a:xfrm>
-            <a:off x="6437743" y="2335006"/>
-            <a:ext cx="5597237" cy="498546"/>
-          </a:xfrm>
-          <a:prstGeom prst="rect">
-            <a:avLst/>
-          </a:prstGeom>
+          <a:solidFill>
+            <a:srgbClr val="FFFFFF">
+              <a:shade val="85000"/>
+            </a:srgbClr>
+          </a:solidFill>
+          <a:ln>
+            <a:noFill/>
+          </a:ln>
+          <a:effectLst>
+            <a:reflection blurRad="12700" stA="38000" endPos="28000" dist="5000" dir="5400000" sy="-100000" algn="bl" rotWithShape="0"/>
+          </a:effectLst>
         </p:spPr>
       </p:pic>
     </p:spTree>
